--- a/2018-03-03_Advanced_UNIX_Workshop.pptx
+++ b/2018-03-03_Advanced_UNIX_Workshop.pptx
@@ -3154,7 +3154,12 @@
             <p:ph idx="1"/>
           </p:nvPr>
         </p:nvSpPr>
-        <p:spPr/>
+        <p:spPr>
+          <a:xfrm>
+            <a:off x="628650" y="1327759"/>
+            <a:ext cx="7886700" cy="4849204"/>
+          </a:xfrm>
+        </p:spPr>
         <p:txBody>
           <a:bodyPr>
             <a:normAutofit/>
@@ -3165,8 +3170,21 @@
               <a:buNone/>
             </a:pPr>
             <a:r>
+              <a:rPr lang="en-US" b="1" dirty="0" smtClean="0"/>
+              <a:t>Check in with Paul (by the doors)</a:t>
+            </a:r>
+          </a:p>
+          <a:p>
+            <a:pPr marL="0" indent="0">
+              <a:buNone/>
+            </a:pPr>
+            <a:r>
+              <a:rPr lang="en-US" dirty="0" smtClean="0"/>
+              <a:t>If </a:t>
+            </a:r>
+            <a:r>
               <a:rPr lang="en-US" dirty="0"/>
-              <a:t>If you are using one of the Gilman desktops…</a:t>
+              <a:t>you are using one of the Gilman desktops…</a:t>
             </a:r>
           </a:p>
           <a:p>
@@ -21095,13 +21113,19 @@
               <a:rPr lang="en-US" dirty="0">
                 <a:hlinkClick r:id="rId3"/>
               </a:rPr>
-              <a:t>https://</a:t>
-            </a:r>
-            <a:r>
-              <a:rPr lang="en-US" dirty="0" smtClean="0">
+              <a:t>https</a:t>
+            </a:r>
+            <a:r>
+              <a:rPr lang="en-US">
                 <a:hlinkClick r:id="rId3"/>
               </a:rPr>
-              <a:t>github.com/cmmann/20180302-UNIX-ADVANCED-MATERIALS</a:t>
+              <a:t>://</a:t>
+            </a:r>
+            <a:r>
+              <a:rPr lang="en-US" smtClean="0">
+                <a:hlinkClick r:id="rId3"/>
+              </a:rPr>
+              <a:t>github.com/cmmann/20180302-UNIX-ADV-MATERIALS</a:t>
             </a:r>
             <a:r>
               <a:rPr lang="en-US" dirty="0">

--- a/2018-03-03_Advanced_UNIX_Workshop.pptx
+++ b/2018-03-03_Advanced_UNIX_Workshop.pptx
@@ -21092,7 +21092,7 @@
               <a:rPr lang="en-US" dirty="0" smtClean="0">
                 <a:hlinkClick r:id="rId2"/>
               </a:rPr>
-              <a:t>github.com/cmmann/20180302-unix-adv</a:t>
+              <a:t>github.com/cmmann/20180303-unix-adv</a:t>
             </a:r>
             <a:endParaRPr lang="en-US" dirty="0"/>
           </a:p>
@@ -21125,7 +21125,7 @@
               <a:rPr lang="en-US" smtClean="0">
                 <a:hlinkClick r:id="rId3"/>
               </a:rPr>
-              <a:t>github.com/cmmann/20180302-UNIX-ADV-MATERIALS</a:t>
+              <a:t>github.com/cmmann/20180303-UNIX-ADV-MATERIALS</a:t>
             </a:r>
             <a:r>
               <a:rPr lang="en-US" dirty="0">
